--- a/images/design.pptx
+++ b/images/design.pptx
@@ -13,6 +13,9 @@
     <p:sldId id="261" r:id="rId7"/>
     <p:sldId id="262" r:id="rId8"/>
     <p:sldId id="263" r:id="rId9"/>
+    <p:sldId id="264" r:id="rId10"/>
+    <p:sldId id="265" r:id="rId11"/>
+    <p:sldId id="266" r:id="rId12"/>
   </p:sldIdLst>
   <p:sldSz cx="12192000" cy="6858000"/>
   <p:notesSz cx="6858000" cy="9144000"/>
@@ -266,7 +269,7 @@
           <a:p>
             <a:fld id="{1E67E43F-C072-4134-A1CC-4DD1A261EE39}" type="datetimeFigureOut">
               <a:rPr lang="ko-KR" altLang="en-US" smtClean="0"/>
-              <a:t>2021-11-06</a:t>
+              <a:t>2021-11-07</a:t>
             </a:fld>
             <a:endParaRPr lang="ko-KR" altLang="en-US"/>
           </a:p>
@@ -464,7 +467,7 @@
           <a:p>
             <a:fld id="{1E67E43F-C072-4134-A1CC-4DD1A261EE39}" type="datetimeFigureOut">
               <a:rPr lang="ko-KR" altLang="en-US" smtClean="0"/>
-              <a:t>2021-11-06</a:t>
+              <a:t>2021-11-07</a:t>
             </a:fld>
             <a:endParaRPr lang="ko-KR" altLang="en-US"/>
           </a:p>
@@ -672,7 +675,7 @@
           <a:p>
             <a:fld id="{1E67E43F-C072-4134-A1CC-4DD1A261EE39}" type="datetimeFigureOut">
               <a:rPr lang="ko-KR" altLang="en-US" smtClean="0"/>
-              <a:t>2021-11-06</a:t>
+              <a:t>2021-11-07</a:t>
             </a:fld>
             <a:endParaRPr lang="ko-KR" altLang="en-US"/>
           </a:p>
@@ -870,7 +873,7 @@
           <a:p>
             <a:fld id="{1E67E43F-C072-4134-A1CC-4DD1A261EE39}" type="datetimeFigureOut">
               <a:rPr lang="ko-KR" altLang="en-US" smtClean="0"/>
-              <a:t>2021-11-06</a:t>
+              <a:t>2021-11-07</a:t>
             </a:fld>
             <a:endParaRPr lang="ko-KR" altLang="en-US"/>
           </a:p>
@@ -1145,7 +1148,7 @@
           <a:p>
             <a:fld id="{1E67E43F-C072-4134-A1CC-4DD1A261EE39}" type="datetimeFigureOut">
               <a:rPr lang="ko-KR" altLang="en-US" smtClean="0"/>
-              <a:t>2021-11-06</a:t>
+              <a:t>2021-11-07</a:t>
             </a:fld>
             <a:endParaRPr lang="ko-KR" altLang="en-US"/>
           </a:p>
@@ -1410,7 +1413,7 @@
           <a:p>
             <a:fld id="{1E67E43F-C072-4134-A1CC-4DD1A261EE39}" type="datetimeFigureOut">
               <a:rPr lang="ko-KR" altLang="en-US" smtClean="0"/>
-              <a:t>2021-11-06</a:t>
+              <a:t>2021-11-07</a:t>
             </a:fld>
             <a:endParaRPr lang="ko-KR" altLang="en-US"/>
           </a:p>
@@ -1822,7 +1825,7 @@
           <a:p>
             <a:fld id="{1E67E43F-C072-4134-A1CC-4DD1A261EE39}" type="datetimeFigureOut">
               <a:rPr lang="ko-KR" altLang="en-US" smtClean="0"/>
-              <a:t>2021-11-06</a:t>
+              <a:t>2021-11-07</a:t>
             </a:fld>
             <a:endParaRPr lang="ko-KR" altLang="en-US"/>
           </a:p>
@@ -1963,7 +1966,7 @@
           <a:p>
             <a:fld id="{1E67E43F-C072-4134-A1CC-4DD1A261EE39}" type="datetimeFigureOut">
               <a:rPr lang="ko-KR" altLang="en-US" smtClean="0"/>
-              <a:t>2021-11-06</a:t>
+              <a:t>2021-11-07</a:t>
             </a:fld>
             <a:endParaRPr lang="ko-KR" altLang="en-US"/>
           </a:p>
@@ -2076,7 +2079,7 @@
           <a:p>
             <a:fld id="{1E67E43F-C072-4134-A1CC-4DD1A261EE39}" type="datetimeFigureOut">
               <a:rPr lang="ko-KR" altLang="en-US" smtClean="0"/>
-              <a:t>2021-11-06</a:t>
+              <a:t>2021-11-07</a:t>
             </a:fld>
             <a:endParaRPr lang="ko-KR" altLang="en-US"/>
           </a:p>
@@ -2387,7 +2390,7 @@
           <a:p>
             <a:fld id="{1E67E43F-C072-4134-A1CC-4DD1A261EE39}" type="datetimeFigureOut">
               <a:rPr lang="ko-KR" altLang="en-US" smtClean="0"/>
-              <a:t>2021-11-06</a:t>
+              <a:t>2021-11-07</a:t>
             </a:fld>
             <a:endParaRPr lang="ko-KR" altLang="en-US"/>
           </a:p>
@@ -2675,7 +2678,7 @@
           <a:p>
             <a:fld id="{1E67E43F-C072-4134-A1CC-4DD1A261EE39}" type="datetimeFigureOut">
               <a:rPr lang="ko-KR" altLang="en-US" smtClean="0"/>
-              <a:t>2021-11-06</a:t>
+              <a:t>2021-11-07</a:t>
             </a:fld>
             <a:endParaRPr lang="ko-KR" altLang="en-US"/>
           </a:p>
@@ -2916,7 +2919,7 @@
           <a:p>
             <a:fld id="{1E67E43F-C072-4134-A1CC-4DD1A261EE39}" type="datetimeFigureOut">
               <a:rPr lang="ko-KR" altLang="en-US" smtClean="0"/>
-              <a:t>2021-11-06</a:t>
+              <a:t>2021-11-07</a:t>
             </a:fld>
             <a:endParaRPr lang="ko-KR" altLang="en-US"/>
           </a:p>
@@ -3387,10 +3390,10 @@
       </p:sp>
       <p:grpSp>
         <p:nvGrpSpPr>
-          <p:cNvPr id="3" name="그룹 2">
-            <a:extLst>
-              <a:ext uri="{FF2B5EF4-FFF2-40B4-BE49-F238E27FC236}">
-                <a16:creationId xmlns:a16="http://schemas.microsoft.com/office/drawing/2014/main" id="{8CE70CDA-8E7F-4526-BF53-F8E5EFAAFAEB}"/>
+          <p:cNvPr id="6" name="그룹 5">
+            <a:extLst>
+              <a:ext uri="{FF2B5EF4-FFF2-40B4-BE49-F238E27FC236}">
+                <a16:creationId xmlns:a16="http://schemas.microsoft.com/office/drawing/2014/main" id="{A953ADFA-B10E-49E7-81DF-AC6B47BED9D0}"/>
               </a:ext>
             </a:extLst>
           </p:cNvPr>
@@ -3399,10 +3402,10 @@
         </p:nvGrpSpPr>
         <p:grpSpPr>
           <a:xfrm>
-            <a:off x="5188540" y="2321005"/>
-            <a:ext cx="1814920" cy="2215991"/>
-            <a:chOff x="5170287" y="2464515"/>
-            <a:chExt cx="1814920" cy="2215991"/>
+            <a:off x="5340305" y="2531946"/>
+            <a:ext cx="1585690" cy="1862048"/>
+            <a:chOff x="5340305" y="2531946"/>
+            <a:chExt cx="1585690" cy="1862048"/>
           </a:xfrm>
         </p:grpSpPr>
         <p:sp>
@@ -3419,7 +3422,7 @@
           </p:nvSpPr>
           <p:spPr>
             <a:xfrm rot="1800000">
-              <a:off x="5402076" y="2697812"/>
+              <a:off x="5420329" y="2554302"/>
               <a:ext cx="1461155" cy="1461155"/>
             </a:xfrm>
             <a:prstGeom prst="ellipse">
@@ -3483,8 +3486,8 @@
           </p:nvSpPr>
           <p:spPr>
             <a:xfrm rot="1800000">
-              <a:off x="5170287" y="2464515"/>
-              <a:ext cx="1814920" cy="2215991"/>
+              <a:off x="5340305" y="2531946"/>
+              <a:ext cx="1585690" cy="1862048"/>
             </a:xfrm>
             <a:prstGeom prst="rect">
               <a:avLst/>
@@ -3498,15 +3501,16 @@
             <a:lstStyle/>
             <a:p>
               <a:r>
-                <a:rPr lang="ko-KR" altLang="en-US" sz="13800" b="1" dirty="0">
+                <a:rPr lang="ko-KR" altLang="en-US" sz="11500" b="1" dirty="0">
                   <a:solidFill>
                     <a:schemeClr val="accent4">
                       <a:lumMod val="60000"/>
                       <a:lumOff val="40000"/>
                     </a:schemeClr>
                   </a:solidFill>
-                  <a:latin typeface="웰컴체 Bold" panose="02020603020101020101" pitchFamily="18" charset="-127"/>
-                  <a:ea typeface="웰컴체 Bold" panose="02020603020101020101" pitchFamily="18" charset="-127"/>
+                  <a:latin typeface="카페24 써라운드" pitchFamily="2" charset="-127"/>
+                  <a:ea typeface="카페24 써라운드" pitchFamily="2" charset="-127"/>
+                  <a:cs typeface="카페24 써라운드" pitchFamily="2" charset="-127"/>
                 </a:rPr>
                 <a:t>ㄱ</a:t>
               </a:r>
@@ -3527,8 +3531,8 @@
           </p:nvSpPr>
           <p:spPr>
             <a:xfrm rot="1800000">
-              <a:off x="5198617" y="2862028"/>
-              <a:ext cx="1223412" cy="1446550"/>
+              <a:off x="5342211" y="2832750"/>
+              <a:ext cx="1061509" cy="1200329"/>
             </a:xfrm>
             <a:prstGeom prst="rect">
               <a:avLst/>
@@ -3542,15 +3546,16 @@
             <a:lstStyle/>
             <a:p>
               <a:r>
-                <a:rPr lang="ko-KR" altLang="en-US" sz="8800" b="1" dirty="0">
+                <a:rPr lang="ko-KR" altLang="en-US" sz="7200" b="1" dirty="0">
                   <a:solidFill>
                     <a:schemeClr val="accent4">
                       <a:lumMod val="60000"/>
                       <a:lumOff val="40000"/>
                     </a:schemeClr>
                   </a:solidFill>
-                  <a:latin typeface="웰컴체 Bold" panose="02020603020101020101" pitchFamily="18" charset="-127"/>
-                  <a:ea typeface="웰컴체 Bold" panose="02020603020101020101" pitchFamily="18" charset="-127"/>
+                  <a:latin typeface="카페24 써라운드" pitchFamily="2" charset="-127"/>
+                  <a:ea typeface="카페24 써라운드" pitchFamily="2" charset="-127"/>
+                  <a:cs typeface="카페24 써라운드" pitchFamily="2" charset="-127"/>
                 </a:rPr>
                 <a:t>ㅎ</a:t>
               </a:r>
@@ -3624,6 +3629,513 @@
     <p:extLst>
       <p:ext uri="{BB962C8B-B14F-4D97-AF65-F5344CB8AC3E}">
         <p14:creationId xmlns:p14="http://schemas.microsoft.com/office/powerpoint/2010/main" val="1544007217"/>
+      </p:ext>
+    </p:extLst>
+  </p:cSld>
+  <p:clrMapOvr>
+    <a:masterClrMapping/>
+  </p:clrMapOvr>
+</p:sld>
+</file>
+
+<file path=ppt/slides/slide10.xml><?xml version="1.0" encoding="utf-8"?>
+<p:sld xmlns:a="http://schemas.openxmlformats.org/drawingml/2006/main" xmlns:r="http://schemas.openxmlformats.org/officeDocument/2006/relationships" xmlns:p="http://schemas.openxmlformats.org/presentationml/2006/main">
+  <p:cSld>
+    <p:spTree>
+      <p:nvGrpSpPr>
+        <p:cNvPr id="1" name=""/>
+        <p:cNvGrpSpPr/>
+        <p:nvPr/>
+      </p:nvGrpSpPr>
+      <p:grpSpPr>
+        <a:xfrm>
+          <a:off x="0" y="0"/>
+          <a:ext cx="0" cy="0"/>
+          <a:chOff x="0" y="0"/>
+          <a:chExt cx="0" cy="0"/>
+        </a:xfrm>
+      </p:grpSpPr>
+      <p:grpSp>
+        <p:nvGrpSpPr>
+          <p:cNvPr id="9" name="그룹 8">
+            <a:extLst>
+              <a:ext uri="{FF2B5EF4-FFF2-40B4-BE49-F238E27FC236}">
+                <a16:creationId xmlns:a16="http://schemas.microsoft.com/office/drawing/2014/main" id="{ED6D146D-E3BA-4FF3-88A1-A7493269C567}"/>
+              </a:ext>
+            </a:extLst>
+          </p:cNvPr>
+          <p:cNvGrpSpPr/>
+          <p:nvPr/>
+        </p:nvGrpSpPr>
+        <p:grpSpPr>
+          <a:xfrm>
+            <a:off x="5763087" y="3096087"/>
+            <a:ext cx="665826" cy="665826"/>
+            <a:chOff x="5763087" y="3096087"/>
+            <a:chExt cx="665826" cy="665826"/>
+          </a:xfrm>
+        </p:grpSpPr>
+        <p:sp>
+          <p:nvSpPr>
+            <p:cNvPr id="2" name="직사각형 1">
+              <a:extLst>
+                <a:ext uri="{FF2B5EF4-FFF2-40B4-BE49-F238E27FC236}">
+                  <a16:creationId xmlns:a16="http://schemas.microsoft.com/office/drawing/2014/main" id="{ED7DB2C8-E096-4447-8246-2EC8353225C0}"/>
+                </a:ext>
+              </a:extLst>
+            </p:cNvPr>
+            <p:cNvSpPr/>
+            <p:nvPr/>
+          </p:nvSpPr>
+          <p:spPr>
+            <a:xfrm>
+              <a:off x="5763087" y="3096087"/>
+              <a:ext cx="665826" cy="665826"/>
+            </a:xfrm>
+            <a:prstGeom prst="rect">
+              <a:avLst/>
+            </a:prstGeom>
+            <a:solidFill>
+              <a:srgbClr val="2F5597"/>
+            </a:solidFill>
+            <a:ln w="76200">
+              <a:noFill/>
+            </a:ln>
+          </p:spPr>
+          <p:style>
+            <a:lnRef idx="2">
+              <a:schemeClr val="accent1">
+                <a:shade val="50000"/>
+              </a:schemeClr>
+            </a:lnRef>
+            <a:fillRef idx="1">
+              <a:schemeClr val="accent1"/>
+            </a:fillRef>
+            <a:effectRef idx="0">
+              <a:schemeClr val="accent1"/>
+            </a:effectRef>
+            <a:fontRef idx="minor">
+              <a:schemeClr val="lt1"/>
+            </a:fontRef>
+          </p:style>
+          <p:txBody>
+            <a:bodyPr rtlCol="0" anchor="ctr"/>
+            <a:lstStyle/>
+            <a:p>
+              <a:pPr algn="ctr"/>
+              <a:endParaRPr lang="ko-KR" altLang="en-US"/>
+            </a:p>
+          </p:txBody>
+        </p:sp>
+        <p:grpSp>
+          <p:nvGrpSpPr>
+            <p:cNvPr id="5" name="그룹 4">
+              <a:extLst>
+                <a:ext uri="{FF2B5EF4-FFF2-40B4-BE49-F238E27FC236}">
+                  <a16:creationId xmlns:a16="http://schemas.microsoft.com/office/drawing/2014/main" id="{CF52D563-455A-4F20-B42C-6364498E01D9}"/>
+                </a:ext>
+              </a:extLst>
+            </p:cNvPr>
+            <p:cNvGrpSpPr/>
+            <p:nvPr/>
+          </p:nvGrpSpPr>
+          <p:grpSpPr>
+            <a:xfrm>
+              <a:off x="5852842" y="3198000"/>
+              <a:ext cx="486316" cy="462000"/>
+              <a:chOff x="6711020" y="2847680"/>
+              <a:chExt cx="360000" cy="342000"/>
+            </a:xfrm>
+            <a:solidFill>
+              <a:schemeClr val="bg1"/>
+            </a:solidFill>
+          </p:grpSpPr>
+          <p:sp>
+            <p:nvSpPr>
+              <p:cNvPr id="6" name="이등변 삼각형 5">
+                <a:extLst>
+                  <a:ext uri="{FF2B5EF4-FFF2-40B4-BE49-F238E27FC236}">
+                    <a16:creationId xmlns:a16="http://schemas.microsoft.com/office/drawing/2014/main" id="{F3D39DFE-1F1D-4BFB-9B24-9F3C463457C3}"/>
+                  </a:ext>
+                </a:extLst>
+              </p:cNvPr>
+              <p:cNvSpPr/>
+              <p:nvPr/>
+            </p:nvSpPr>
+            <p:spPr>
+              <a:xfrm rot="10800000">
+                <a:off x="6711020" y="2847680"/>
+                <a:ext cx="360000" cy="180000"/>
+              </a:xfrm>
+              <a:prstGeom prst="triangle">
+                <a:avLst/>
+              </a:prstGeom>
+              <a:grpFill/>
+              <a:ln w="76200">
+                <a:noFill/>
+              </a:ln>
+            </p:spPr>
+            <p:style>
+              <a:lnRef idx="2">
+                <a:schemeClr val="accent1">
+                  <a:shade val="50000"/>
+                </a:schemeClr>
+              </a:lnRef>
+              <a:fillRef idx="1">
+                <a:schemeClr val="accent1"/>
+              </a:fillRef>
+              <a:effectRef idx="0">
+                <a:schemeClr val="accent1"/>
+              </a:effectRef>
+              <a:fontRef idx="minor">
+                <a:schemeClr val="lt1"/>
+              </a:fontRef>
+            </p:style>
+            <p:txBody>
+              <a:bodyPr rtlCol="0" anchor="ctr"/>
+              <a:lstStyle/>
+              <a:p>
+                <a:pPr algn="ctr"/>
+                <a:endParaRPr lang="ko-KR" altLang="en-US" dirty="0"/>
+              </a:p>
+            </p:txBody>
+          </p:sp>
+          <p:sp>
+            <p:nvSpPr>
+              <p:cNvPr id="7" name="직사각형 6">
+                <a:extLst>
+                  <a:ext uri="{FF2B5EF4-FFF2-40B4-BE49-F238E27FC236}">
+                    <a16:creationId xmlns:a16="http://schemas.microsoft.com/office/drawing/2014/main" id="{C4B168D1-4E2D-42BB-8603-D675537AA64F}"/>
+                  </a:ext>
+                </a:extLst>
+              </p:cNvPr>
+              <p:cNvSpPr/>
+              <p:nvPr/>
+            </p:nvSpPr>
+            <p:spPr>
+              <a:xfrm>
+                <a:off x="6864020" y="2847680"/>
+                <a:ext cx="54000" cy="251120"/>
+              </a:xfrm>
+              <a:prstGeom prst="rect">
+                <a:avLst/>
+              </a:prstGeom>
+              <a:grpFill/>
+              <a:ln w="76200">
+                <a:noFill/>
+              </a:ln>
+            </p:spPr>
+            <p:style>
+              <a:lnRef idx="2">
+                <a:schemeClr val="accent1">
+                  <a:shade val="50000"/>
+                </a:schemeClr>
+              </a:lnRef>
+              <a:fillRef idx="1">
+                <a:schemeClr val="accent1"/>
+              </a:fillRef>
+              <a:effectRef idx="0">
+                <a:schemeClr val="accent1"/>
+              </a:effectRef>
+              <a:fontRef idx="minor">
+                <a:schemeClr val="lt1"/>
+              </a:fontRef>
+            </p:style>
+            <p:txBody>
+              <a:bodyPr rtlCol="0" anchor="ctr"/>
+              <a:lstStyle/>
+              <a:p>
+                <a:pPr algn="ctr"/>
+                <a:endParaRPr lang="ko-KR" altLang="en-US"/>
+              </a:p>
+            </p:txBody>
+          </p:sp>
+          <p:sp>
+            <p:nvSpPr>
+              <p:cNvPr id="8" name="이등변 삼각형 7">
+                <a:extLst>
+                  <a:ext uri="{FF2B5EF4-FFF2-40B4-BE49-F238E27FC236}">
+                    <a16:creationId xmlns:a16="http://schemas.microsoft.com/office/drawing/2014/main" id="{266AE34C-2DB0-4146-9AF6-4683FD84AEBA}"/>
+                  </a:ext>
+                </a:extLst>
+              </p:cNvPr>
+              <p:cNvSpPr/>
+              <p:nvPr/>
+            </p:nvSpPr>
+            <p:spPr>
+              <a:xfrm rot="5400000">
+                <a:off x="6801020" y="3072680"/>
+                <a:ext cx="180000" cy="54000"/>
+              </a:xfrm>
+              <a:prstGeom prst="triangle">
+                <a:avLst/>
+              </a:prstGeom>
+              <a:grpFill/>
+              <a:ln w="76200">
+                <a:noFill/>
+              </a:ln>
+            </p:spPr>
+            <p:style>
+              <a:lnRef idx="2">
+                <a:schemeClr val="accent1">
+                  <a:shade val="50000"/>
+                </a:schemeClr>
+              </a:lnRef>
+              <a:fillRef idx="1">
+                <a:schemeClr val="accent1"/>
+              </a:fillRef>
+              <a:effectRef idx="0">
+                <a:schemeClr val="accent1"/>
+              </a:effectRef>
+              <a:fontRef idx="minor">
+                <a:schemeClr val="lt1"/>
+              </a:fontRef>
+            </p:style>
+            <p:txBody>
+              <a:bodyPr rtlCol="0" anchor="ctr"/>
+              <a:lstStyle/>
+              <a:p>
+                <a:pPr algn="ctr"/>
+                <a:endParaRPr lang="ko-KR" altLang="en-US"/>
+              </a:p>
+            </p:txBody>
+          </p:sp>
+        </p:grpSp>
+      </p:grpSp>
+    </p:spTree>
+    <p:extLst>
+      <p:ext uri="{BB962C8B-B14F-4D97-AF65-F5344CB8AC3E}">
+        <p14:creationId xmlns:p14="http://schemas.microsoft.com/office/powerpoint/2010/main" val="3898655127"/>
+      </p:ext>
+    </p:extLst>
+  </p:cSld>
+  <p:clrMapOvr>
+    <a:masterClrMapping/>
+  </p:clrMapOvr>
+</p:sld>
+</file>
+
+<file path=ppt/slides/slide11.xml><?xml version="1.0" encoding="utf-8"?>
+<p:sld xmlns:a="http://schemas.openxmlformats.org/drawingml/2006/main" xmlns:r="http://schemas.openxmlformats.org/officeDocument/2006/relationships" xmlns:p="http://schemas.openxmlformats.org/presentationml/2006/main">
+  <p:cSld>
+    <p:spTree>
+      <p:nvGrpSpPr>
+        <p:cNvPr id="1" name=""/>
+        <p:cNvGrpSpPr/>
+        <p:nvPr/>
+      </p:nvGrpSpPr>
+      <p:grpSpPr>
+        <a:xfrm>
+          <a:off x="0" y="0"/>
+          <a:ext cx="0" cy="0"/>
+          <a:chOff x="0" y="0"/>
+          <a:chExt cx="0" cy="0"/>
+        </a:xfrm>
+      </p:grpSpPr>
+      <p:grpSp>
+        <p:nvGrpSpPr>
+          <p:cNvPr id="10" name="그룹 9">
+            <a:extLst>
+              <a:ext uri="{FF2B5EF4-FFF2-40B4-BE49-F238E27FC236}">
+                <a16:creationId xmlns:a16="http://schemas.microsoft.com/office/drawing/2014/main" id="{86CA122C-94BE-4E34-8387-E94FF15B1620}"/>
+              </a:ext>
+            </a:extLst>
+          </p:cNvPr>
+          <p:cNvGrpSpPr/>
+          <p:nvPr/>
+        </p:nvGrpSpPr>
+        <p:grpSpPr>
+          <a:xfrm>
+            <a:off x="5763087" y="3096087"/>
+            <a:ext cx="665826" cy="665826"/>
+            <a:chOff x="0" y="0"/>
+            <a:chExt cx="665826" cy="665826"/>
+          </a:xfrm>
+        </p:grpSpPr>
+        <p:sp>
+          <p:nvSpPr>
+            <p:cNvPr id="2" name="직사각형 1">
+              <a:extLst>
+                <a:ext uri="{FF2B5EF4-FFF2-40B4-BE49-F238E27FC236}">
+                  <a16:creationId xmlns:a16="http://schemas.microsoft.com/office/drawing/2014/main" id="{6A6540B5-B1E7-4652-805D-F9C6C5ADE23E}"/>
+                </a:ext>
+              </a:extLst>
+            </p:cNvPr>
+            <p:cNvSpPr/>
+            <p:nvPr/>
+          </p:nvSpPr>
+          <p:spPr>
+            <a:xfrm>
+              <a:off x="0" y="0"/>
+              <a:ext cx="665826" cy="665826"/>
+            </a:xfrm>
+            <a:prstGeom prst="rect">
+              <a:avLst/>
+            </a:prstGeom>
+            <a:solidFill>
+              <a:srgbClr val="2F5597"/>
+            </a:solidFill>
+            <a:ln w="76200">
+              <a:noFill/>
+            </a:ln>
+          </p:spPr>
+          <p:style>
+            <a:lnRef idx="2">
+              <a:schemeClr val="accent1">
+                <a:shade val="50000"/>
+              </a:schemeClr>
+            </a:lnRef>
+            <a:fillRef idx="1">
+              <a:schemeClr val="accent1"/>
+            </a:fillRef>
+            <a:effectRef idx="0">
+              <a:schemeClr val="accent1"/>
+            </a:effectRef>
+            <a:fontRef idx="minor">
+              <a:schemeClr val="lt1"/>
+            </a:fontRef>
+          </p:style>
+          <p:txBody>
+            <a:bodyPr rtlCol="0" anchor="ctr"/>
+            <a:lstStyle/>
+            <a:p>
+              <a:pPr algn="ctr"/>
+              <a:endParaRPr lang="ko-KR" altLang="en-US"/>
+            </a:p>
+          </p:txBody>
+        </p:sp>
+        <p:grpSp>
+          <p:nvGrpSpPr>
+            <p:cNvPr id="9" name="그룹 8">
+              <a:extLst>
+                <a:ext uri="{FF2B5EF4-FFF2-40B4-BE49-F238E27FC236}">
+                  <a16:creationId xmlns:a16="http://schemas.microsoft.com/office/drawing/2014/main" id="{4E4C9D94-03E5-417E-B3BD-1DA70EE3CBFB}"/>
+                </a:ext>
+              </a:extLst>
+            </p:cNvPr>
+            <p:cNvGrpSpPr/>
+            <p:nvPr/>
+          </p:nvGrpSpPr>
+          <p:grpSpPr>
+            <a:xfrm>
+              <a:off x="133170" y="133170"/>
+              <a:ext cx="314409" cy="425045"/>
+              <a:chOff x="8282501" y="3003955"/>
+              <a:chExt cx="314409" cy="425045"/>
+            </a:xfrm>
+          </p:grpSpPr>
+          <p:sp>
+            <p:nvSpPr>
+              <p:cNvPr id="6" name="직사각형 5">
+                <a:extLst>
+                  <a:ext uri="{FF2B5EF4-FFF2-40B4-BE49-F238E27FC236}">
+                    <a16:creationId xmlns:a16="http://schemas.microsoft.com/office/drawing/2014/main" id="{BAF9B4E6-2703-46D1-8419-369AEC039204}"/>
+                  </a:ext>
+                </a:extLst>
+              </p:cNvPr>
+              <p:cNvSpPr/>
+              <p:nvPr/>
+            </p:nvSpPr>
+            <p:spPr>
+              <a:xfrm rot="18900000">
+                <a:off x="8536294" y="3147113"/>
+                <a:ext cx="60616" cy="281887"/>
+              </a:xfrm>
+              <a:prstGeom prst="rect">
+                <a:avLst/>
+              </a:prstGeom>
+              <a:solidFill>
+                <a:schemeClr val="bg1"/>
+              </a:solidFill>
+              <a:ln w="76200">
+                <a:noFill/>
+              </a:ln>
+            </p:spPr>
+            <p:style>
+              <a:lnRef idx="2">
+                <a:schemeClr val="accent1">
+                  <a:shade val="50000"/>
+                </a:schemeClr>
+              </a:lnRef>
+              <a:fillRef idx="1">
+                <a:schemeClr val="accent1"/>
+              </a:fillRef>
+              <a:effectRef idx="0">
+                <a:schemeClr val="accent1"/>
+              </a:effectRef>
+              <a:fontRef idx="minor">
+                <a:schemeClr val="lt1"/>
+              </a:fontRef>
+            </p:style>
+            <p:txBody>
+              <a:bodyPr rtlCol="0" anchor="ctr"/>
+              <a:lstStyle/>
+              <a:p>
+                <a:pPr algn="ctr"/>
+                <a:endParaRPr lang="ko-KR" altLang="en-US"/>
+              </a:p>
+            </p:txBody>
+          </p:sp>
+          <p:sp>
+            <p:nvSpPr>
+              <p:cNvPr id="7" name="타원 6">
+                <a:extLst>
+                  <a:ext uri="{FF2B5EF4-FFF2-40B4-BE49-F238E27FC236}">
+                    <a16:creationId xmlns:a16="http://schemas.microsoft.com/office/drawing/2014/main" id="{541A7CF0-DE15-47BA-B4CA-522D210BF418}"/>
+                  </a:ext>
+                </a:extLst>
+              </p:cNvPr>
+              <p:cNvSpPr/>
+              <p:nvPr/>
+            </p:nvSpPr>
+            <p:spPr>
+              <a:xfrm rot="18900000">
+                <a:off x="8282501" y="3003955"/>
+                <a:ext cx="295078" cy="295078"/>
+              </a:xfrm>
+              <a:prstGeom prst="ellipse">
+                <a:avLst/>
+              </a:prstGeom>
+              <a:solidFill>
+                <a:srgbClr val="2F5597"/>
+              </a:solidFill>
+              <a:ln w="57150">
+                <a:solidFill>
+                  <a:schemeClr val="bg1"/>
+                </a:solidFill>
+              </a:ln>
+            </p:spPr>
+            <p:style>
+              <a:lnRef idx="2">
+                <a:schemeClr val="accent1">
+                  <a:shade val="50000"/>
+                </a:schemeClr>
+              </a:lnRef>
+              <a:fillRef idx="1">
+                <a:schemeClr val="accent1"/>
+              </a:fillRef>
+              <a:effectRef idx="0">
+                <a:schemeClr val="accent1"/>
+              </a:effectRef>
+              <a:fontRef idx="minor">
+                <a:schemeClr val="lt1"/>
+              </a:fontRef>
+            </p:style>
+            <p:txBody>
+              <a:bodyPr rtlCol="0" anchor="ctr"/>
+              <a:lstStyle/>
+              <a:p>
+                <a:pPr algn="ctr"/>
+                <a:endParaRPr lang="ko-KR" altLang="en-US"/>
+              </a:p>
+            </p:txBody>
+          </p:sp>
+        </p:grpSp>
+      </p:grpSp>
+    </p:spTree>
+    <p:extLst>
+      <p:ext uri="{BB962C8B-B14F-4D97-AF65-F5344CB8AC3E}">
+        <p14:creationId xmlns:p14="http://schemas.microsoft.com/office/powerpoint/2010/main" val="2608541302"/>
       </p:ext>
     </p:extLst>
   </p:cSld>
@@ -3799,7 +4311,9 @@
             <a:r>
               <a:rPr lang="en-US" altLang="ko-KR" dirty="0">
                 <a:solidFill>
-                  <a:srgbClr val="2F5597"/>
+                  <a:schemeClr val="accent1">
+                    <a:lumMod val="50000"/>
+                  </a:schemeClr>
                 </a:solidFill>
                 <a:latin typeface="웰컴체 Regular" panose="02020603020101020101" pitchFamily="18" charset="-127"/>
                 <a:ea typeface="웰컴체 Regular" panose="02020603020101020101" pitchFamily="18" charset="-127"/>
@@ -3809,7 +4323,9 @@
             <a:r>
               <a:rPr lang="ko-KR" altLang="en-US" dirty="0">
                 <a:solidFill>
-                  <a:srgbClr val="2F5597"/>
+                  <a:schemeClr val="accent1">
+                    <a:lumMod val="50000"/>
+                  </a:schemeClr>
                 </a:solidFill>
                 <a:latin typeface="웰컴체 Regular" panose="02020603020101020101" pitchFamily="18" charset="-127"/>
                 <a:ea typeface="웰컴체 Regular" panose="02020603020101020101" pitchFamily="18" charset="-127"/>
@@ -3819,7 +4335,9 @@
             <a:r>
               <a:rPr lang="en-US" altLang="ko-KR" dirty="0">
                 <a:solidFill>
-                  <a:srgbClr val="2F5597"/>
+                  <a:schemeClr val="accent1">
+                    <a:lumMod val="50000"/>
+                  </a:schemeClr>
                 </a:solidFill>
                 <a:latin typeface="웰컴체 Regular" panose="02020603020101020101" pitchFamily="18" charset="-127"/>
                 <a:ea typeface="웰컴체 Regular" panose="02020603020101020101" pitchFamily="18" charset="-127"/>
@@ -3829,7 +4347,9 @@
             <a:r>
               <a:rPr lang="ko-KR" altLang="en-US" dirty="0">
                 <a:solidFill>
-                  <a:srgbClr val="2F5597"/>
+                  <a:schemeClr val="accent1">
+                    <a:lumMod val="50000"/>
+                  </a:schemeClr>
                 </a:solidFill>
                 <a:latin typeface="웰컴체 Regular" panose="02020603020101020101" pitchFamily="18" charset="-127"/>
                 <a:ea typeface="웰컴체 Regular" panose="02020603020101020101" pitchFamily="18" charset="-127"/>
@@ -6861,10 +7381,10 @@
       </p:sp>
       <p:grpSp>
         <p:nvGrpSpPr>
-          <p:cNvPr id="14" name="그룹 13">
-            <a:extLst>
-              <a:ext uri="{FF2B5EF4-FFF2-40B4-BE49-F238E27FC236}">
-                <a16:creationId xmlns:a16="http://schemas.microsoft.com/office/drawing/2014/main" id="{A59CBC2B-59DF-451F-9CD2-22232DF92304}"/>
+          <p:cNvPr id="4" name="그룹 3">
+            <a:extLst>
+              <a:ext uri="{FF2B5EF4-FFF2-40B4-BE49-F238E27FC236}">
+                <a16:creationId xmlns:a16="http://schemas.microsoft.com/office/drawing/2014/main" id="{176C7CF2-D884-4708-A502-83173CD2DF86}"/>
               </a:ext>
             </a:extLst>
           </p:cNvPr>
@@ -6873,10 +7393,10 @@
         </p:nvGrpSpPr>
         <p:grpSpPr>
           <a:xfrm>
-            <a:off x="2846759" y="2657789"/>
-            <a:ext cx="6498482" cy="1542422"/>
-            <a:chOff x="5321741" y="2657789"/>
-            <a:chExt cx="6498482" cy="1542422"/>
+            <a:off x="2735351" y="2657789"/>
+            <a:ext cx="6721299" cy="1542422"/>
+            <a:chOff x="2846759" y="2657789"/>
+            <a:chExt cx="6721299" cy="1542422"/>
           </a:xfrm>
         </p:grpSpPr>
         <p:sp>
@@ -6893,8 +7413,8 @@
           </p:nvSpPr>
           <p:spPr>
             <a:xfrm>
-              <a:off x="7004481" y="2921169"/>
-              <a:ext cx="4815742" cy="1015663"/>
+              <a:off x="4529499" y="2921169"/>
+              <a:ext cx="5038559" cy="1015663"/>
             </a:xfrm>
             <a:prstGeom prst="rect">
               <a:avLst/>
@@ -6912,8 +7432,9 @@
                   <a:solidFill>
                     <a:schemeClr val="bg1"/>
                   </a:solidFill>
-                  <a:latin typeface="웰컴체 Bold" panose="02020603020101020101" pitchFamily="18" charset="-127"/>
-                  <a:ea typeface="웰컴체 Bold" panose="02020603020101020101" pitchFamily="18" charset="-127"/>
+                  <a:latin typeface="카페24 써라운드" pitchFamily="2" charset="-127"/>
+                  <a:ea typeface="카페24 써라운드" pitchFamily="2" charset="-127"/>
+                  <a:cs typeface="카페24 써라운드" pitchFamily="2" charset="-127"/>
                 </a:rPr>
                 <a:t>해결이요</a:t>
               </a:r>
@@ -6922,8 +7443,9 @@
                   <a:solidFill>
                     <a:schemeClr val="bg1"/>
                   </a:solidFill>
-                  <a:latin typeface="웰컴체 Bold" panose="02020603020101020101" pitchFamily="18" charset="-127"/>
-                  <a:ea typeface="웰컴체 Bold" panose="02020603020101020101" pitchFamily="18" charset="-127"/>
+                  <a:latin typeface="카페24 써라운드" pitchFamily="2" charset="-127"/>
+                  <a:ea typeface="카페24 써라운드" pitchFamily="2" charset="-127"/>
+                  <a:cs typeface="카페24 써라운드" pitchFamily="2" charset="-127"/>
                 </a:rPr>
                 <a:t>.com</a:t>
               </a:r>
@@ -6931,18 +7453,19 @@
                 <a:solidFill>
                   <a:schemeClr val="bg1"/>
                 </a:solidFill>
-                <a:latin typeface="웰컴체 Bold" panose="02020603020101020101" pitchFamily="18" charset="-127"/>
-                <a:ea typeface="웰컴체 Bold" panose="02020603020101020101" pitchFamily="18" charset="-127"/>
+                <a:latin typeface="카페24 써라운드" pitchFamily="2" charset="-127"/>
+                <a:ea typeface="카페24 써라운드" pitchFamily="2" charset="-127"/>
+                <a:cs typeface="카페24 써라운드" pitchFamily="2" charset="-127"/>
               </a:endParaRPr>
             </a:p>
           </p:txBody>
         </p:sp>
         <p:pic>
           <p:nvPicPr>
-            <p:cNvPr id="10" name="그림 9">
+            <p:cNvPr id="3" name="그림 2">
               <a:extLst>
                 <a:ext uri="{FF2B5EF4-FFF2-40B4-BE49-F238E27FC236}">
-                  <a16:creationId xmlns:a16="http://schemas.microsoft.com/office/drawing/2014/main" id="{28E0097C-D017-4CA1-B2C6-009A61084BAF}"/>
+                  <a16:creationId xmlns:a16="http://schemas.microsoft.com/office/drawing/2014/main" id="{975F9C4E-0441-4762-9884-A1F3180E4B89}"/>
                 </a:ext>
               </a:extLst>
             </p:cNvPr>
@@ -6965,7 +7488,7 @@
           </p:blipFill>
           <p:spPr>
             <a:xfrm>
-              <a:off x="5321741" y="2657789"/>
+              <a:off x="2846759" y="2657789"/>
               <a:ext cx="1548518" cy="1542422"/>
             </a:xfrm>
             <a:prstGeom prst="rect">
@@ -7058,10 +7581,10 @@
       </p:sp>
       <p:grpSp>
         <p:nvGrpSpPr>
-          <p:cNvPr id="14" name="그룹 13">
-            <a:extLst>
-              <a:ext uri="{FF2B5EF4-FFF2-40B4-BE49-F238E27FC236}">
-                <a16:creationId xmlns:a16="http://schemas.microsoft.com/office/drawing/2014/main" id="{A59CBC2B-59DF-451F-9CD2-22232DF92304}"/>
+          <p:cNvPr id="2" name="그룹 1">
+            <a:extLst>
+              <a:ext uri="{FF2B5EF4-FFF2-40B4-BE49-F238E27FC236}">
+                <a16:creationId xmlns:a16="http://schemas.microsoft.com/office/drawing/2014/main" id="{163AAF7F-0339-48E8-846C-F6BF79ED2D93}"/>
               </a:ext>
             </a:extLst>
           </p:cNvPr>
@@ -7070,18 +7593,18 @@
         </p:nvGrpSpPr>
         <p:grpSpPr>
           <a:xfrm>
-            <a:off x="2893086" y="2657789"/>
-            <a:ext cx="6405828" cy="1542422"/>
-            <a:chOff x="5321741" y="2657789"/>
-            <a:chExt cx="6405828" cy="1542422"/>
+            <a:off x="2846759" y="2657789"/>
+            <a:ext cx="6498482" cy="1542422"/>
+            <a:chOff x="2846759" y="2657789"/>
+            <a:chExt cx="6498482" cy="1542422"/>
           </a:xfrm>
         </p:grpSpPr>
         <p:sp>
           <p:nvSpPr>
-            <p:cNvPr id="8" name="TextBox 7">
+            <p:cNvPr id="7" name="TextBox 6">
               <a:extLst>
                 <a:ext uri="{FF2B5EF4-FFF2-40B4-BE49-F238E27FC236}">
-                  <a16:creationId xmlns:a16="http://schemas.microsoft.com/office/drawing/2014/main" id="{7E7EBEEA-9C4F-4B4D-936D-6FA9C9796C6C}"/>
+                  <a16:creationId xmlns:a16="http://schemas.microsoft.com/office/drawing/2014/main" id="{DFCA2CC9-3639-4C9C-B94A-2A91EA25B694}"/>
                 </a:ext>
               </a:extLst>
             </p:cNvPr>
@@ -7090,8 +7613,8 @@
           </p:nvSpPr>
           <p:spPr>
             <a:xfrm>
-              <a:off x="7004481" y="2921169"/>
-              <a:ext cx="4723088" cy="1015663"/>
+              <a:off x="4529499" y="2921169"/>
+              <a:ext cx="4815742" cy="1015663"/>
             </a:xfrm>
             <a:prstGeom prst="rect">
               <a:avLst/>
@@ -7109,27 +7632,21 @@
                   <a:solidFill>
                     <a:schemeClr val="bg1"/>
                   </a:solidFill>
-                  <a:latin typeface="웰컴체 Bold" panose="02020603020101020101" pitchFamily="18" charset="-127"/>
-                  <a:ea typeface="웰컴체 Bold" panose="02020603020101020101" pitchFamily="18" charset="-127"/>
+                  <a:latin typeface="카페24 써라운드" pitchFamily="2" charset="-127"/>
+                  <a:ea typeface="카페24 써라운드" pitchFamily="2" charset="-127"/>
+                  <a:cs typeface="카페24 써라운드" pitchFamily="2" charset="-127"/>
                 </a:rPr>
                 <a:t>haegyeol.io</a:t>
               </a:r>
-              <a:endParaRPr lang="ko-KR" altLang="en-US" sz="6000" dirty="0">
-                <a:solidFill>
-                  <a:schemeClr val="bg1"/>
-                </a:solidFill>
-                <a:latin typeface="웰컴체 Bold" panose="02020603020101020101" pitchFamily="18" charset="-127"/>
-                <a:ea typeface="웰컴체 Bold" panose="02020603020101020101" pitchFamily="18" charset="-127"/>
-              </a:endParaRPr>
             </a:p>
           </p:txBody>
         </p:sp>
         <p:pic>
           <p:nvPicPr>
-            <p:cNvPr id="10" name="그림 9">
+            <p:cNvPr id="9" name="그림 8">
               <a:extLst>
                 <a:ext uri="{FF2B5EF4-FFF2-40B4-BE49-F238E27FC236}">
-                  <a16:creationId xmlns:a16="http://schemas.microsoft.com/office/drawing/2014/main" id="{28E0097C-D017-4CA1-B2C6-009A61084BAF}"/>
+                  <a16:creationId xmlns:a16="http://schemas.microsoft.com/office/drawing/2014/main" id="{3F159BD2-B07F-445F-927C-B09CF74EC3DF}"/>
                 </a:ext>
               </a:extLst>
             </p:cNvPr>
@@ -7152,7 +7669,7 @@
           </p:blipFill>
           <p:spPr>
             <a:xfrm>
-              <a:off x="5321741" y="2657789"/>
+              <a:off x="2846759" y="2657789"/>
               <a:ext cx="1548518" cy="1542422"/>
             </a:xfrm>
             <a:prstGeom prst="rect">
@@ -8027,6 +8544,238 @@
     <p:extLst>
       <p:ext uri="{BB962C8B-B14F-4D97-AF65-F5344CB8AC3E}">
         <p14:creationId xmlns:p14="http://schemas.microsoft.com/office/powerpoint/2010/main" val="1158746506"/>
+      </p:ext>
+    </p:extLst>
+  </p:cSld>
+  <p:clrMapOvr>
+    <a:masterClrMapping/>
+  </p:clrMapOvr>
+</p:sld>
+</file>
+
+<file path=ppt/slides/slide9.xml><?xml version="1.0" encoding="utf-8"?>
+<p:sld xmlns:a="http://schemas.openxmlformats.org/drawingml/2006/main" xmlns:r="http://schemas.openxmlformats.org/officeDocument/2006/relationships" xmlns:p="http://schemas.openxmlformats.org/presentationml/2006/main">
+  <p:cSld>
+    <p:spTree>
+      <p:nvGrpSpPr>
+        <p:cNvPr id="1" name=""/>
+        <p:cNvGrpSpPr/>
+        <p:nvPr/>
+      </p:nvGrpSpPr>
+      <p:grpSpPr>
+        <a:xfrm>
+          <a:off x="0" y="0"/>
+          <a:ext cx="0" cy="0"/>
+          <a:chOff x="0" y="0"/>
+          <a:chExt cx="0" cy="0"/>
+        </a:xfrm>
+      </p:grpSpPr>
+      <p:grpSp>
+        <p:nvGrpSpPr>
+          <p:cNvPr id="14" name="그룹 13">
+            <a:extLst>
+              <a:ext uri="{FF2B5EF4-FFF2-40B4-BE49-F238E27FC236}">
+                <a16:creationId xmlns:a16="http://schemas.microsoft.com/office/drawing/2014/main" id="{4264DA89-F48B-4306-8965-73D4F1F44490}"/>
+              </a:ext>
+            </a:extLst>
+          </p:cNvPr>
+          <p:cNvGrpSpPr/>
+          <p:nvPr/>
+        </p:nvGrpSpPr>
+        <p:grpSpPr>
+          <a:xfrm>
+            <a:off x="5736000" y="3069000"/>
+            <a:ext cx="720000" cy="720000"/>
+            <a:chOff x="5736000" y="3069000"/>
+            <a:chExt cx="720000" cy="720000"/>
+          </a:xfrm>
+        </p:grpSpPr>
+        <p:sp>
+          <p:nvSpPr>
+            <p:cNvPr id="5" name="타원 4">
+              <a:extLst>
+                <a:ext uri="{FF2B5EF4-FFF2-40B4-BE49-F238E27FC236}">
+                  <a16:creationId xmlns:a16="http://schemas.microsoft.com/office/drawing/2014/main" id="{D4C0DC96-B7BC-42E7-871B-53D8C0921329}"/>
+                </a:ext>
+              </a:extLst>
+            </p:cNvPr>
+            <p:cNvSpPr/>
+            <p:nvPr/>
+          </p:nvSpPr>
+          <p:spPr>
+            <a:xfrm>
+              <a:off x="5736000" y="3069000"/>
+              <a:ext cx="720000" cy="720000"/>
+            </a:xfrm>
+            <a:prstGeom prst="ellipse">
+              <a:avLst/>
+            </a:prstGeom>
+            <a:solidFill>
+              <a:schemeClr val="bg1"/>
+            </a:solidFill>
+            <a:ln w="76200">
+              <a:solidFill>
+                <a:srgbClr val="2F5597"/>
+              </a:solidFill>
+            </a:ln>
+          </p:spPr>
+          <p:style>
+            <a:lnRef idx="2">
+              <a:schemeClr val="accent1">
+                <a:shade val="50000"/>
+              </a:schemeClr>
+            </a:lnRef>
+            <a:fillRef idx="1">
+              <a:schemeClr val="accent1"/>
+            </a:fillRef>
+            <a:effectRef idx="0">
+              <a:schemeClr val="accent1"/>
+            </a:effectRef>
+            <a:fontRef idx="minor">
+              <a:schemeClr val="lt1"/>
+            </a:fontRef>
+          </p:style>
+          <p:txBody>
+            <a:bodyPr rtlCol="0" anchor="ctr"/>
+            <a:lstStyle/>
+            <a:p>
+              <a:pPr algn="ctr"/>
+              <a:endParaRPr lang="ko-KR" altLang="en-US"/>
+            </a:p>
+          </p:txBody>
+        </p:sp>
+        <p:grpSp>
+          <p:nvGrpSpPr>
+            <p:cNvPr id="13" name="그룹 12">
+              <a:extLst>
+                <a:ext uri="{FF2B5EF4-FFF2-40B4-BE49-F238E27FC236}">
+                  <a16:creationId xmlns:a16="http://schemas.microsoft.com/office/drawing/2014/main" id="{DBC0075C-3277-4C89-A89E-EA2EF75C1E49}"/>
+                </a:ext>
+              </a:extLst>
+            </p:cNvPr>
+            <p:cNvGrpSpPr/>
+            <p:nvPr/>
+          </p:nvGrpSpPr>
+          <p:grpSpPr>
+            <a:xfrm rot="18900000">
+              <a:off x="5948461" y="3188195"/>
+              <a:ext cx="295078" cy="481611"/>
+              <a:chOff x="8913181" y="2361460"/>
+              <a:chExt cx="355106" cy="579586"/>
+            </a:xfrm>
+          </p:grpSpPr>
+          <p:sp>
+            <p:nvSpPr>
+              <p:cNvPr id="8" name="직사각형 7">
+                <a:extLst>
+                  <a:ext uri="{FF2B5EF4-FFF2-40B4-BE49-F238E27FC236}">
+                    <a16:creationId xmlns:a16="http://schemas.microsoft.com/office/drawing/2014/main" id="{35B6372F-AB3B-4D71-901F-45561C48A615}"/>
+                  </a:ext>
+                </a:extLst>
+              </p:cNvPr>
+              <p:cNvSpPr/>
+              <p:nvPr/>
+            </p:nvSpPr>
+            <p:spPr>
+              <a:xfrm>
+                <a:off x="9054261" y="2601814"/>
+                <a:ext cx="72947" cy="339232"/>
+              </a:xfrm>
+              <a:prstGeom prst="rect">
+                <a:avLst/>
+              </a:prstGeom>
+              <a:solidFill>
+                <a:srgbClr val="2F5597"/>
+              </a:solidFill>
+              <a:ln w="76200">
+                <a:noFill/>
+              </a:ln>
+            </p:spPr>
+            <p:style>
+              <a:lnRef idx="2">
+                <a:schemeClr val="accent1">
+                  <a:shade val="50000"/>
+                </a:schemeClr>
+              </a:lnRef>
+              <a:fillRef idx="1">
+                <a:schemeClr val="accent1"/>
+              </a:fillRef>
+              <a:effectRef idx="0">
+                <a:schemeClr val="accent1"/>
+              </a:effectRef>
+              <a:fontRef idx="minor">
+                <a:schemeClr val="lt1"/>
+              </a:fontRef>
+            </p:style>
+            <p:txBody>
+              <a:bodyPr rtlCol="0" anchor="ctr"/>
+              <a:lstStyle/>
+              <a:p>
+                <a:pPr algn="ctr"/>
+                <a:endParaRPr lang="ko-KR" altLang="en-US"/>
+              </a:p>
+            </p:txBody>
+          </p:sp>
+          <p:sp>
+            <p:nvSpPr>
+              <p:cNvPr id="12" name="타원 11">
+                <a:extLst>
+                  <a:ext uri="{FF2B5EF4-FFF2-40B4-BE49-F238E27FC236}">
+                    <a16:creationId xmlns:a16="http://schemas.microsoft.com/office/drawing/2014/main" id="{AC353F79-9CA0-4D95-AB6B-083EAB9BD4BC}"/>
+                  </a:ext>
+                </a:extLst>
+              </p:cNvPr>
+              <p:cNvSpPr/>
+              <p:nvPr/>
+            </p:nvSpPr>
+            <p:spPr>
+              <a:xfrm>
+                <a:off x="8913181" y="2361460"/>
+                <a:ext cx="355106" cy="355106"/>
+              </a:xfrm>
+              <a:prstGeom prst="ellipse">
+                <a:avLst/>
+              </a:prstGeom>
+              <a:solidFill>
+                <a:schemeClr val="bg1"/>
+              </a:solidFill>
+              <a:ln w="57150">
+                <a:solidFill>
+                  <a:srgbClr val="2F5597"/>
+                </a:solidFill>
+              </a:ln>
+            </p:spPr>
+            <p:style>
+              <a:lnRef idx="2">
+                <a:schemeClr val="accent1">
+                  <a:shade val="50000"/>
+                </a:schemeClr>
+              </a:lnRef>
+              <a:fillRef idx="1">
+                <a:schemeClr val="accent1"/>
+              </a:fillRef>
+              <a:effectRef idx="0">
+                <a:schemeClr val="accent1"/>
+              </a:effectRef>
+              <a:fontRef idx="minor">
+                <a:schemeClr val="lt1"/>
+              </a:fontRef>
+            </p:style>
+            <p:txBody>
+              <a:bodyPr rtlCol="0" anchor="ctr"/>
+              <a:lstStyle/>
+              <a:p>
+                <a:pPr algn="ctr"/>
+                <a:endParaRPr lang="ko-KR" altLang="en-US"/>
+              </a:p>
+            </p:txBody>
+          </p:sp>
+        </p:grpSp>
+      </p:grpSp>
+    </p:spTree>
+    <p:extLst>
+      <p:ext uri="{BB962C8B-B14F-4D97-AF65-F5344CB8AC3E}">
+        <p14:creationId xmlns:p14="http://schemas.microsoft.com/office/powerpoint/2010/main" val="3867900965"/>
       </p:ext>
     </p:extLst>
   </p:cSld>
